--- a/GitGitHub StatsPresentation_5March2018.pptx
+++ b/GitGitHub StatsPresentation_5March2018.pptx
@@ -26,13 +26,13 @@
     <p:sldId id="260" r:id="rId17"/>
     <p:sldId id="261" r:id="rId18"/>
     <p:sldId id="272" r:id="rId19"/>
-    <p:sldId id="270" r:id="rId20"/>
-    <p:sldId id="264" r:id="rId21"/>
-    <p:sldId id="265" r:id="rId22"/>
-    <p:sldId id="266" r:id="rId23"/>
-    <p:sldId id="267" r:id="rId24"/>
-    <p:sldId id="268" r:id="rId25"/>
-    <p:sldId id="269" r:id="rId26"/>
+    <p:sldId id="265" r:id="rId20"/>
+    <p:sldId id="266" r:id="rId21"/>
+    <p:sldId id="267" r:id="rId22"/>
+    <p:sldId id="268" r:id="rId23"/>
+    <p:sldId id="269" r:id="rId24"/>
+    <p:sldId id="284" r:id="rId25"/>
+    <p:sldId id="285" r:id="rId26"/>
     <p:sldId id="262" r:id="rId27"/>
     <p:sldId id="271" r:id="rId28"/>
   </p:sldIdLst>
@@ -218,7 +218,7 @@
           <a:p>
             <a:fld id="{DE54A520-4D80-AB49-A0AD-5CF1546EB695}" type="datetimeFigureOut">
               <a:rPr lang="en-US" smtClean="0"/>
-              <a:t>18-02-26</a:t>
+              <a:t>18-02-27</a:t>
             </a:fld>
             <a:endParaRPr lang="en-US"/>
           </a:p>
@@ -835,11 +835,7 @@
           <a:p>
             <a:r>
               <a:rPr lang="en-US" baseline="0" dirty="0" smtClean="0"/>
-              <a:t>Pictures A &amp; B: </a:t>
-            </a:r>
-            <a:r>
-              <a:rPr lang="en-US" baseline="0" dirty="0" smtClean="0"/>
-              <a:t>With informal version control, contributors create derivative copies of </a:t>
+              <a:t>Pictures A &amp; B: With informal version control, contributors create derivative copies of </a:t>
             </a:r>
             <a:r>
               <a:rPr lang="en-US" baseline="0" dirty="0" err="1" smtClean="0"/>
@@ -2276,7 +2272,7 @@
           <a:p>
             <a:fld id="{2DCFC9CD-A49C-FB46-8D71-68369DE5C97D}" type="datetimeFigureOut">
               <a:rPr lang="en-US" smtClean="0"/>
-              <a:t>18-02-26</a:t>
+              <a:t>18-02-27</a:t>
             </a:fld>
             <a:endParaRPr lang="en-US"/>
           </a:p>
@@ -2446,7 +2442,7 @@
           <a:p>
             <a:fld id="{2DCFC9CD-A49C-FB46-8D71-68369DE5C97D}" type="datetimeFigureOut">
               <a:rPr lang="en-US" smtClean="0"/>
-              <a:t>18-02-26</a:t>
+              <a:t>18-02-27</a:t>
             </a:fld>
             <a:endParaRPr lang="en-US"/>
           </a:p>
@@ -2626,7 +2622,7 @@
           <a:p>
             <a:fld id="{2DCFC9CD-A49C-FB46-8D71-68369DE5C97D}" type="datetimeFigureOut">
               <a:rPr lang="en-US" smtClean="0"/>
-              <a:t>18-02-26</a:t>
+              <a:t>18-02-27</a:t>
             </a:fld>
             <a:endParaRPr lang="en-US"/>
           </a:p>
@@ -2796,7 +2792,7 @@
           <a:p>
             <a:fld id="{2DCFC9CD-A49C-FB46-8D71-68369DE5C97D}" type="datetimeFigureOut">
               <a:rPr lang="en-US" smtClean="0"/>
-              <a:t>18-02-26</a:t>
+              <a:t>18-02-27</a:t>
             </a:fld>
             <a:endParaRPr lang="en-US"/>
           </a:p>
@@ -3042,7 +3038,7 @@
           <a:p>
             <a:fld id="{2DCFC9CD-A49C-FB46-8D71-68369DE5C97D}" type="datetimeFigureOut">
               <a:rPr lang="en-US" smtClean="0"/>
-              <a:t>18-02-26</a:t>
+              <a:t>18-02-27</a:t>
             </a:fld>
             <a:endParaRPr lang="en-US"/>
           </a:p>
@@ -3330,7 +3326,7 @@
           <a:p>
             <a:fld id="{2DCFC9CD-A49C-FB46-8D71-68369DE5C97D}" type="datetimeFigureOut">
               <a:rPr lang="en-US" smtClean="0"/>
-              <a:t>18-02-26</a:t>
+              <a:t>18-02-27</a:t>
             </a:fld>
             <a:endParaRPr lang="en-US"/>
           </a:p>
@@ -3752,7 +3748,7 @@
           <a:p>
             <a:fld id="{2DCFC9CD-A49C-FB46-8D71-68369DE5C97D}" type="datetimeFigureOut">
               <a:rPr lang="en-US" smtClean="0"/>
-              <a:t>18-02-26</a:t>
+              <a:t>18-02-27</a:t>
             </a:fld>
             <a:endParaRPr lang="en-US"/>
           </a:p>
@@ -3870,7 +3866,7 @@
           <a:p>
             <a:fld id="{2DCFC9CD-A49C-FB46-8D71-68369DE5C97D}" type="datetimeFigureOut">
               <a:rPr lang="en-US" smtClean="0"/>
-              <a:t>18-02-26</a:t>
+              <a:t>18-02-27</a:t>
             </a:fld>
             <a:endParaRPr lang="en-US"/>
           </a:p>
@@ -3965,7 +3961,7 @@
           <a:p>
             <a:fld id="{2DCFC9CD-A49C-FB46-8D71-68369DE5C97D}" type="datetimeFigureOut">
               <a:rPr lang="en-US" smtClean="0"/>
-              <a:t>18-02-26</a:t>
+              <a:t>18-02-27</a:t>
             </a:fld>
             <a:endParaRPr lang="en-US"/>
           </a:p>
@@ -4242,7 +4238,7 @@
           <a:p>
             <a:fld id="{2DCFC9CD-A49C-FB46-8D71-68369DE5C97D}" type="datetimeFigureOut">
               <a:rPr lang="en-US" smtClean="0"/>
-              <a:t>18-02-26</a:t>
+              <a:t>18-02-27</a:t>
             </a:fld>
             <a:endParaRPr lang="en-US"/>
           </a:p>
@@ -4495,7 +4491,7 @@
           <a:p>
             <a:fld id="{2DCFC9CD-A49C-FB46-8D71-68369DE5C97D}" type="datetimeFigureOut">
               <a:rPr lang="en-US" smtClean="0"/>
-              <a:t>18-02-26</a:t>
+              <a:t>18-02-27</a:t>
             </a:fld>
             <a:endParaRPr lang="en-US"/>
           </a:p>
@@ -4708,7 +4704,7 @@
           <a:p>
             <a:fld id="{2DCFC9CD-A49C-FB46-8D71-68369DE5C97D}" type="datetimeFigureOut">
               <a:rPr lang="en-US" smtClean="0"/>
-              <a:t>18-02-26</a:t>
+              <a:t>18-02-27</a:t>
             </a:fld>
             <a:endParaRPr lang="en-US"/>
           </a:p>
@@ -6552,312 +6548,6 @@
           </a:p>
         </p:txBody>
       </p:sp>
-      <p:sp>
-        <p:nvSpPr>
-          <p:cNvPr id="3" name="Content Placeholder 2"/>
-          <p:cNvSpPr>
-            <a:spLocks noGrp="1"/>
-          </p:cNvSpPr>
-          <p:nvPr>
-            <p:ph idx="1"/>
-          </p:nvPr>
-        </p:nvSpPr>
-        <p:spPr/>
-        <p:txBody>
-          <a:bodyPr/>
-          <a:lstStyle/>
-          <a:p>
-            <a:endParaRPr lang="en-US" dirty="0" smtClean="0"/>
-          </a:p>
-          <a:p>
-            <a:r>
-              <a:rPr lang="en-US" dirty="0" smtClean="0"/>
-              <a:t>Repository= your project folder</a:t>
-            </a:r>
-          </a:p>
-          <a:p>
-            <a:endParaRPr lang="en-US" dirty="0" smtClean="0"/>
-          </a:p>
-          <a:p>
-            <a:r>
-              <a:rPr lang="en-US" dirty="0" smtClean="0"/>
-              <a:t>Commit=save a snapshot</a:t>
-            </a:r>
-            <a:endParaRPr lang="en-US" dirty="0"/>
-          </a:p>
-        </p:txBody>
-      </p:sp>
-    </p:spTree>
-    <p:extLst>
-      <p:ext uri="{BB962C8B-B14F-4D97-AF65-F5344CB8AC3E}">
-        <p14:creationId xmlns:p14="http://schemas.microsoft.com/office/powerpoint/2010/main" val="150697327"/>
-      </p:ext>
-    </p:extLst>
-  </p:cSld>
-  <p:clrMapOvr>
-    <a:masterClrMapping/>
-  </p:clrMapOvr>
-</p:sld>
-</file>
-
-<file path=ppt/slides/slide2.xml><?xml version="1.0" encoding="utf-8"?>
-<p:sld xmlns:a="http://schemas.openxmlformats.org/drawingml/2006/main" xmlns:r="http://schemas.openxmlformats.org/officeDocument/2006/relationships" xmlns:p="http://schemas.openxmlformats.org/presentationml/2006/main">
-  <p:cSld>
-    <p:spTree>
-      <p:nvGrpSpPr>
-        <p:cNvPr id="1" name=""/>
-        <p:cNvGrpSpPr/>
-        <p:nvPr/>
-      </p:nvGrpSpPr>
-      <p:grpSpPr>
-        <a:xfrm>
-          <a:off x="0" y="0"/>
-          <a:ext cx="0" cy="0"/>
-          <a:chOff x="0" y="0"/>
-          <a:chExt cx="0" cy="0"/>
-        </a:xfrm>
-      </p:grpSpPr>
-      <p:sp>
-        <p:nvSpPr>
-          <p:cNvPr id="2" name="Title 1"/>
-          <p:cNvSpPr>
-            <a:spLocks noGrp="1"/>
-          </p:cNvSpPr>
-          <p:nvPr>
-            <p:ph type="title"/>
-          </p:nvPr>
-        </p:nvSpPr>
-        <p:spPr/>
-        <p:txBody>
-          <a:bodyPr/>
-          <a:lstStyle/>
-          <a:p>
-            <a:r>
-              <a:rPr lang="en-US" dirty="0" smtClean="0"/>
-              <a:t>Overview</a:t>
-            </a:r>
-            <a:endParaRPr lang="en-US" dirty="0"/>
-          </a:p>
-        </p:txBody>
-      </p:sp>
-      <p:sp>
-        <p:nvSpPr>
-          <p:cNvPr id="3" name="Content Placeholder 2"/>
-          <p:cNvSpPr>
-            <a:spLocks noGrp="1"/>
-          </p:cNvSpPr>
-          <p:nvPr>
-            <p:ph idx="1"/>
-          </p:nvPr>
-        </p:nvSpPr>
-        <p:spPr/>
-        <p:txBody>
-          <a:bodyPr/>
-          <a:lstStyle/>
-          <a:p>
-            <a:r>
-              <a:rPr lang="en-US" dirty="0" smtClean="0"/>
-              <a:t>What is </a:t>
-            </a:r>
-            <a:r>
-              <a:rPr lang="en-US" dirty="0" err="1" smtClean="0"/>
-              <a:t>Git</a:t>
-            </a:r>
-            <a:r>
-              <a:rPr lang="en-US" dirty="0" smtClean="0"/>
-              <a:t>?</a:t>
-            </a:r>
-          </a:p>
-          <a:p>
-            <a:r>
-              <a:rPr lang="en-US" dirty="0" smtClean="0"/>
-              <a:t>Why </a:t>
-            </a:r>
-            <a:r>
-              <a:rPr lang="en-US" dirty="0" err="1" smtClean="0"/>
-              <a:t>Git</a:t>
-            </a:r>
-            <a:r>
-              <a:rPr lang="en-US" dirty="0" smtClean="0"/>
-              <a:t>?</a:t>
-            </a:r>
-          </a:p>
-          <a:p>
-            <a:r>
-              <a:rPr lang="en-US" dirty="0" smtClean="0"/>
-              <a:t>What is </a:t>
-            </a:r>
-            <a:r>
-              <a:rPr lang="en-US" dirty="0" err="1" smtClean="0"/>
-              <a:t>GitHub</a:t>
-            </a:r>
-            <a:r>
-              <a:rPr lang="en-US" dirty="0" smtClean="0"/>
-              <a:t>?</a:t>
-            </a:r>
-          </a:p>
-          <a:p>
-            <a:r>
-              <a:rPr lang="en-US" dirty="0" smtClean="0"/>
-              <a:t>How does it work?</a:t>
-            </a:r>
-          </a:p>
-          <a:p>
-            <a:r>
-              <a:rPr lang="en-US" dirty="0" smtClean="0"/>
-              <a:t>Quick example using </a:t>
-            </a:r>
-            <a:r>
-              <a:rPr lang="en-US" dirty="0" err="1" smtClean="0"/>
-              <a:t>Git</a:t>
-            </a:r>
-            <a:r>
-              <a:rPr lang="en-US" dirty="0" smtClean="0"/>
-              <a:t> and </a:t>
-            </a:r>
-            <a:r>
-              <a:rPr lang="en-US" dirty="0" err="1" smtClean="0"/>
-              <a:t>GitHub</a:t>
-            </a:r>
-            <a:endParaRPr lang="en-US" dirty="0" smtClean="0"/>
-          </a:p>
-        </p:txBody>
-      </p:sp>
-    </p:spTree>
-    <p:extLst>
-      <p:ext uri="{BB962C8B-B14F-4D97-AF65-F5344CB8AC3E}">
-        <p14:creationId xmlns:p14="http://schemas.microsoft.com/office/powerpoint/2010/main" val="2340435655"/>
-      </p:ext>
-    </p:extLst>
-  </p:cSld>
-  <p:clrMapOvr>
-    <a:masterClrMapping/>
-  </p:clrMapOvr>
-</p:sld>
-</file>
-
-<file path=ppt/slides/slide20.xml><?xml version="1.0" encoding="utf-8"?>
-<p:sld xmlns:a="http://schemas.openxmlformats.org/drawingml/2006/main" xmlns:r="http://schemas.openxmlformats.org/officeDocument/2006/relationships" xmlns:p="http://schemas.openxmlformats.org/presentationml/2006/main">
-  <p:cSld>
-    <p:spTree>
-      <p:nvGrpSpPr>
-        <p:cNvPr id="1" name=""/>
-        <p:cNvGrpSpPr/>
-        <p:nvPr/>
-      </p:nvGrpSpPr>
-      <p:grpSpPr>
-        <a:xfrm>
-          <a:off x="0" y="0"/>
-          <a:ext cx="0" cy="0"/>
-          <a:chOff x="0" y="0"/>
-          <a:chExt cx="0" cy="0"/>
-        </a:xfrm>
-      </p:grpSpPr>
-      <p:sp>
-        <p:nvSpPr>
-          <p:cNvPr id="2" name="Title 1"/>
-          <p:cNvSpPr>
-            <a:spLocks noGrp="1"/>
-          </p:cNvSpPr>
-          <p:nvPr>
-            <p:ph type="title"/>
-          </p:nvPr>
-        </p:nvSpPr>
-        <p:spPr/>
-        <p:txBody>
-          <a:bodyPr/>
-          <a:lstStyle/>
-          <a:p>
-            <a:r>
-              <a:rPr lang="en-US" dirty="0" smtClean="0"/>
-              <a:t>How it works</a:t>
-            </a:r>
-            <a:endParaRPr lang="en-US" dirty="0"/>
-          </a:p>
-        </p:txBody>
-      </p:sp>
-      <p:sp>
-        <p:nvSpPr>
-          <p:cNvPr id="3" name="Content Placeholder 2"/>
-          <p:cNvSpPr>
-            <a:spLocks noGrp="1"/>
-          </p:cNvSpPr>
-          <p:nvPr>
-            <p:ph idx="1"/>
-          </p:nvPr>
-        </p:nvSpPr>
-        <p:spPr/>
-        <p:txBody>
-          <a:bodyPr/>
-          <a:lstStyle/>
-          <a:p>
-            <a:endParaRPr lang="en-US" dirty="0" smtClean="0"/>
-          </a:p>
-          <a:p>
-            <a:endParaRPr lang="en-US" dirty="0"/>
-          </a:p>
-          <a:p>
-            <a:r>
-              <a:rPr lang="en-US" dirty="0" smtClean="0"/>
-              <a:t>When you want to take a snapshot of a file or files, you create a commit.</a:t>
-            </a:r>
-            <a:endParaRPr lang="en-US" dirty="0"/>
-          </a:p>
-        </p:txBody>
-      </p:sp>
-    </p:spTree>
-    <p:extLst>
-      <p:ext uri="{BB962C8B-B14F-4D97-AF65-F5344CB8AC3E}">
-        <p14:creationId xmlns:p14="http://schemas.microsoft.com/office/powerpoint/2010/main" val="2022071575"/>
-      </p:ext>
-    </p:extLst>
-  </p:cSld>
-  <p:clrMapOvr>
-    <a:masterClrMapping/>
-  </p:clrMapOvr>
-</p:sld>
-</file>
-
-<file path=ppt/slides/slide21.xml><?xml version="1.0" encoding="utf-8"?>
-<p:sld xmlns:a="http://schemas.openxmlformats.org/drawingml/2006/main" xmlns:r="http://schemas.openxmlformats.org/officeDocument/2006/relationships" xmlns:p="http://schemas.openxmlformats.org/presentationml/2006/main">
-  <p:cSld>
-    <p:spTree>
-      <p:nvGrpSpPr>
-        <p:cNvPr id="1" name=""/>
-        <p:cNvGrpSpPr/>
-        <p:nvPr/>
-      </p:nvGrpSpPr>
-      <p:grpSpPr>
-        <a:xfrm>
-          <a:off x="0" y="0"/>
-          <a:ext cx="0" cy="0"/>
-          <a:chOff x="0" y="0"/>
-          <a:chExt cx="0" cy="0"/>
-        </a:xfrm>
-      </p:grpSpPr>
-      <p:sp>
-        <p:nvSpPr>
-          <p:cNvPr id="2" name="Title 1"/>
-          <p:cNvSpPr>
-            <a:spLocks noGrp="1"/>
-          </p:cNvSpPr>
-          <p:nvPr>
-            <p:ph type="title"/>
-          </p:nvPr>
-        </p:nvSpPr>
-        <p:spPr/>
-        <p:txBody>
-          <a:bodyPr/>
-          <a:lstStyle/>
-          <a:p>
-            <a:r>
-              <a:rPr lang="en-US" dirty="0" smtClean="0"/>
-              <a:t>How it works</a:t>
-            </a:r>
-            <a:endParaRPr lang="en-US" dirty="0"/>
-          </a:p>
-        </p:txBody>
-      </p:sp>
       <p:pic>
         <p:nvPicPr>
           <p:cNvPr id="4" name="Picture 3" descr="1.png"/>
@@ -6901,7 +6591,143 @@
 </p:sld>
 </file>
 
-<file path=ppt/slides/slide22.xml><?xml version="1.0" encoding="utf-8"?>
+<file path=ppt/slides/slide2.xml><?xml version="1.0" encoding="utf-8"?>
+<p:sld xmlns:a="http://schemas.openxmlformats.org/drawingml/2006/main" xmlns:r="http://schemas.openxmlformats.org/officeDocument/2006/relationships" xmlns:p="http://schemas.openxmlformats.org/presentationml/2006/main">
+  <p:cSld>
+    <p:spTree>
+      <p:nvGrpSpPr>
+        <p:cNvPr id="1" name=""/>
+        <p:cNvGrpSpPr/>
+        <p:nvPr/>
+      </p:nvGrpSpPr>
+      <p:grpSpPr>
+        <a:xfrm>
+          <a:off x="0" y="0"/>
+          <a:ext cx="0" cy="0"/>
+          <a:chOff x="0" y="0"/>
+          <a:chExt cx="0" cy="0"/>
+        </a:xfrm>
+      </p:grpSpPr>
+      <p:sp>
+        <p:nvSpPr>
+          <p:cNvPr id="2" name="Title 1"/>
+          <p:cNvSpPr>
+            <a:spLocks noGrp="1"/>
+          </p:cNvSpPr>
+          <p:nvPr>
+            <p:ph type="title"/>
+          </p:nvPr>
+        </p:nvSpPr>
+        <p:spPr/>
+        <p:txBody>
+          <a:bodyPr/>
+          <a:lstStyle/>
+          <a:p>
+            <a:r>
+              <a:rPr lang="en-US" dirty="0" smtClean="0"/>
+              <a:t>Overview</a:t>
+            </a:r>
+            <a:endParaRPr lang="en-US" dirty="0"/>
+          </a:p>
+        </p:txBody>
+      </p:sp>
+      <p:sp>
+        <p:nvSpPr>
+          <p:cNvPr id="3" name="Content Placeholder 2"/>
+          <p:cNvSpPr>
+            <a:spLocks noGrp="1"/>
+          </p:cNvSpPr>
+          <p:nvPr>
+            <p:ph idx="1"/>
+          </p:nvPr>
+        </p:nvSpPr>
+        <p:spPr/>
+        <p:txBody>
+          <a:bodyPr/>
+          <a:lstStyle/>
+          <a:p>
+            <a:r>
+              <a:rPr lang="en-US" dirty="0" smtClean="0"/>
+              <a:t>What is </a:t>
+            </a:r>
+            <a:r>
+              <a:rPr lang="en-US" dirty="0" err="1" smtClean="0"/>
+              <a:t>Git</a:t>
+            </a:r>
+            <a:r>
+              <a:rPr lang="en-US" dirty="0" smtClean="0"/>
+              <a:t>?</a:t>
+            </a:r>
+          </a:p>
+          <a:p>
+            <a:r>
+              <a:rPr lang="en-US" dirty="0" smtClean="0"/>
+              <a:t>Why </a:t>
+            </a:r>
+            <a:r>
+              <a:rPr lang="en-US" dirty="0" err="1" smtClean="0"/>
+              <a:t>Git</a:t>
+            </a:r>
+            <a:r>
+              <a:rPr lang="en-US" dirty="0" smtClean="0"/>
+              <a:t>?</a:t>
+            </a:r>
+          </a:p>
+          <a:p>
+            <a:r>
+              <a:rPr lang="en-US" dirty="0" smtClean="0"/>
+              <a:t>What is </a:t>
+            </a:r>
+            <a:r>
+              <a:rPr lang="en-US" dirty="0" err="1" smtClean="0"/>
+              <a:t>GitHub</a:t>
+            </a:r>
+            <a:r>
+              <a:rPr lang="en-US" dirty="0" smtClean="0"/>
+              <a:t>?</a:t>
+            </a:r>
+          </a:p>
+          <a:p>
+            <a:r>
+              <a:rPr lang="en-US" dirty="0" smtClean="0"/>
+              <a:t>How does it work?</a:t>
+            </a:r>
+          </a:p>
+          <a:p>
+            <a:r>
+              <a:rPr lang="en-US" dirty="0" smtClean="0"/>
+              <a:t>Quick example using </a:t>
+            </a:r>
+            <a:r>
+              <a:rPr lang="en-US" dirty="0" err="1" smtClean="0"/>
+              <a:t>Git</a:t>
+            </a:r>
+            <a:r>
+              <a:rPr lang="en-US" dirty="0" smtClean="0"/>
+              <a:t> and </a:t>
+            </a:r>
+            <a:r>
+              <a:rPr lang="en-US" dirty="0" err="1" smtClean="0"/>
+              <a:t>GitHub</a:t>
+            </a:r>
+            <a:endParaRPr lang="en-US" dirty="0" smtClean="0"/>
+          </a:p>
+        </p:txBody>
+      </p:sp>
+    </p:spTree>
+    <p:extLst>
+      <p:ext uri="{BB962C8B-B14F-4D97-AF65-F5344CB8AC3E}">
+        <p14:creationId xmlns:p14="http://schemas.microsoft.com/office/powerpoint/2010/main" val="2340435655"/>
+      </p:ext>
+    </p:extLst>
+  </p:cSld>
+  <p:clrMapOvr>
+    <a:masterClrMapping/>
+  </p:clrMapOvr>
+</p:sld>
+</file>
+
+<file path=ppt/slides/slide20.xml><?xml version="1.0" encoding="utf-8"?>
 <p:sld xmlns:a="http://schemas.openxmlformats.org/drawingml/2006/main" xmlns:r="http://schemas.openxmlformats.org/officeDocument/2006/relationships" xmlns:p="http://schemas.openxmlformats.org/presentationml/2006/main">
   <p:cSld>
     <p:spTree>
@@ -6992,7 +6818,7 @@
 </p:sld>
 </file>
 
-<file path=ppt/slides/slide23.xml><?xml version="1.0" encoding="utf-8"?>
+<file path=ppt/slides/slide21.xml><?xml version="1.0" encoding="utf-8"?>
 <p:sld xmlns:a="http://schemas.openxmlformats.org/drawingml/2006/main" xmlns:r="http://schemas.openxmlformats.org/officeDocument/2006/relationships" xmlns:p="http://schemas.openxmlformats.org/presentationml/2006/main">
   <p:cSld>
     <p:spTree>
@@ -7075,7 +6901,7 @@
 </p:sld>
 </file>
 
-<file path=ppt/slides/slide24.xml><?xml version="1.0" encoding="utf-8"?>
+<file path=ppt/slides/slide22.xml><?xml version="1.0" encoding="utf-8"?>
 <p:sld xmlns:a="http://schemas.openxmlformats.org/drawingml/2006/main" xmlns:r="http://schemas.openxmlformats.org/officeDocument/2006/relationships" xmlns:p="http://schemas.openxmlformats.org/presentationml/2006/main">
   <p:cSld>
     <p:spTree>
@@ -7158,7 +6984,7 @@
 </p:sld>
 </file>
 
-<file path=ppt/slides/slide25.xml><?xml version="1.0" encoding="utf-8"?>
+<file path=ppt/slides/slide23.xml><?xml version="1.0" encoding="utf-8"?>
 <p:sld xmlns:a="http://schemas.openxmlformats.org/drawingml/2006/main" xmlns:r="http://schemas.openxmlformats.org/officeDocument/2006/relationships" xmlns:p="http://schemas.openxmlformats.org/presentationml/2006/main">
   <p:cSld>
     <p:spTree>
@@ -7232,6 +7058,176 @@
     <p:extLst>
       <p:ext uri="{BB962C8B-B14F-4D97-AF65-F5344CB8AC3E}">
         <p14:creationId xmlns:p14="http://schemas.microsoft.com/office/powerpoint/2010/main" val="2762381852"/>
+      </p:ext>
+    </p:extLst>
+  </p:cSld>
+  <p:clrMapOvr>
+    <a:masterClrMapping/>
+  </p:clrMapOvr>
+</p:sld>
+</file>
+
+<file path=ppt/slides/slide24.xml><?xml version="1.0" encoding="utf-8"?>
+<p:sld xmlns:a="http://schemas.openxmlformats.org/drawingml/2006/main" xmlns:r="http://schemas.openxmlformats.org/officeDocument/2006/relationships" xmlns:p="http://schemas.openxmlformats.org/presentationml/2006/main">
+  <p:cSld>
+    <p:spTree>
+      <p:nvGrpSpPr>
+        <p:cNvPr id="1" name=""/>
+        <p:cNvGrpSpPr/>
+        <p:nvPr/>
+      </p:nvGrpSpPr>
+      <p:grpSpPr>
+        <a:xfrm>
+          <a:off x="0" y="0"/>
+          <a:ext cx="0" cy="0"/>
+          <a:chOff x="0" y="0"/>
+          <a:chExt cx="0" cy="0"/>
+        </a:xfrm>
+      </p:grpSpPr>
+      <p:sp>
+        <p:nvSpPr>
+          <p:cNvPr id="2" name="Title 1"/>
+          <p:cNvSpPr>
+            <a:spLocks noGrp="1"/>
+          </p:cNvSpPr>
+          <p:nvPr>
+            <p:ph type="title"/>
+          </p:nvPr>
+        </p:nvSpPr>
+        <p:spPr/>
+        <p:txBody>
+          <a:bodyPr/>
+          <a:lstStyle/>
+          <a:p>
+            <a:r>
+              <a:rPr lang="en-US" dirty="0" smtClean="0"/>
+              <a:t>How it works</a:t>
+            </a:r>
+            <a:endParaRPr lang="en-US" dirty="0"/>
+          </a:p>
+        </p:txBody>
+      </p:sp>
+      <p:sp>
+        <p:nvSpPr>
+          <p:cNvPr id="3" name="Content Placeholder 2"/>
+          <p:cNvSpPr>
+            <a:spLocks noGrp="1"/>
+          </p:cNvSpPr>
+          <p:nvPr>
+            <p:ph idx="1"/>
+          </p:nvPr>
+        </p:nvSpPr>
+        <p:spPr/>
+        <p:txBody>
+          <a:bodyPr/>
+          <a:lstStyle/>
+          <a:p>
+            <a:endParaRPr lang="en-US" dirty="0" smtClean="0"/>
+          </a:p>
+          <a:p>
+            <a:r>
+              <a:rPr lang="en-US" dirty="0" smtClean="0"/>
+              <a:t>Repository= your project folder</a:t>
+            </a:r>
+          </a:p>
+          <a:p>
+            <a:endParaRPr lang="en-US" dirty="0" smtClean="0"/>
+          </a:p>
+          <a:p>
+            <a:r>
+              <a:rPr lang="en-US" dirty="0" smtClean="0"/>
+              <a:t>Commit=save a snapshot</a:t>
+            </a:r>
+            <a:endParaRPr lang="en-US" dirty="0"/>
+          </a:p>
+        </p:txBody>
+      </p:sp>
+    </p:spTree>
+    <p:extLst>
+      <p:ext uri="{BB962C8B-B14F-4D97-AF65-F5344CB8AC3E}">
+        <p14:creationId xmlns:p14="http://schemas.microsoft.com/office/powerpoint/2010/main" val="3839023776"/>
+      </p:ext>
+    </p:extLst>
+  </p:cSld>
+  <p:clrMapOvr>
+    <a:masterClrMapping/>
+  </p:clrMapOvr>
+</p:sld>
+</file>
+
+<file path=ppt/slides/slide25.xml><?xml version="1.0" encoding="utf-8"?>
+<p:sld xmlns:a="http://schemas.openxmlformats.org/drawingml/2006/main" xmlns:r="http://schemas.openxmlformats.org/officeDocument/2006/relationships" xmlns:p="http://schemas.openxmlformats.org/presentationml/2006/main">
+  <p:cSld>
+    <p:spTree>
+      <p:nvGrpSpPr>
+        <p:cNvPr id="1" name=""/>
+        <p:cNvGrpSpPr/>
+        <p:nvPr/>
+      </p:nvGrpSpPr>
+      <p:grpSpPr>
+        <a:xfrm>
+          <a:off x="0" y="0"/>
+          <a:ext cx="0" cy="0"/>
+          <a:chOff x="0" y="0"/>
+          <a:chExt cx="0" cy="0"/>
+        </a:xfrm>
+      </p:grpSpPr>
+      <p:sp>
+        <p:nvSpPr>
+          <p:cNvPr id="2" name="Title 1"/>
+          <p:cNvSpPr>
+            <a:spLocks noGrp="1"/>
+          </p:cNvSpPr>
+          <p:nvPr>
+            <p:ph type="title"/>
+          </p:nvPr>
+        </p:nvSpPr>
+        <p:spPr/>
+        <p:txBody>
+          <a:bodyPr/>
+          <a:lstStyle/>
+          <a:p>
+            <a:r>
+              <a:rPr lang="en-US" dirty="0" smtClean="0"/>
+              <a:t>How it works</a:t>
+            </a:r>
+            <a:endParaRPr lang="en-US" dirty="0"/>
+          </a:p>
+        </p:txBody>
+      </p:sp>
+      <p:sp>
+        <p:nvSpPr>
+          <p:cNvPr id="3" name="Content Placeholder 2"/>
+          <p:cNvSpPr>
+            <a:spLocks noGrp="1"/>
+          </p:cNvSpPr>
+          <p:nvPr>
+            <p:ph idx="1"/>
+          </p:nvPr>
+        </p:nvSpPr>
+        <p:spPr/>
+        <p:txBody>
+          <a:bodyPr/>
+          <a:lstStyle/>
+          <a:p>
+            <a:endParaRPr lang="en-US" dirty="0" smtClean="0"/>
+          </a:p>
+          <a:p>
+            <a:endParaRPr lang="en-US" dirty="0"/>
+          </a:p>
+          <a:p>
+            <a:r>
+              <a:rPr lang="en-US" dirty="0" smtClean="0"/>
+              <a:t>When you want to take a snapshot of a file or files, you create a commit.</a:t>
+            </a:r>
+            <a:endParaRPr lang="en-US" dirty="0"/>
+          </a:p>
+        </p:txBody>
+      </p:sp>
+    </p:spTree>
+    <p:extLst>
+      <p:ext uri="{BB962C8B-B14F-4D97-AF65-F5344CB8AC3E}">
+        <p14:creationId xmlns:p14="http://schemas.microsoft.com/office/powerpoint/2010/main" val="1052023037"/>
       </p:ext>
     </p:extLst>
   </p:cSld>
